--- a/images/ImagensProdutos.pptx
+++ b/images/ImagensProdutos.pptx
@@ -6,10 +6,12 @@
   </p:sldMasterIdLst>
   <p:sldIdLst>
     <p:sldId id="257" r:id="rId2"/>
-    <p:sldId id="258" r:id="rId3"/>
-    <p:sldId id="259" r:id="rId4"/>
-    <p:sldId id="260" r:id="rId5"/>
-    <p:sldId id="261" r:id="rId6"/>
+    <p:sldId id="262" r:id="rId3"/>
+    <p:sldId id="263" r:id="rId4"/>
+    <p:sldId id="258" r:id="rId5"/>
+    <p:sldId id="259" r:id="rId6"/>
+    <p:sldId id="260" r:id="rId7"/>
+    <p:sldId id="261" r:id="rId8"/>
   </p:sldIdLst>
   <p:sldSz cx="12192000" cy="6858000"/>
   <p:notesSz cx="6858000" cy="9144000"/>
@@ -108,6 +110,11 @@
       </a:defRPr>
     </a:lvl9pPr>
   </p:defaultTextStyle>
+  <p:extLst>
+    <p:ext uri="{EFAFB233-063F-42B5-8137-9DF3F51BA10A}">
+      <p15:sldGuideLst xmlns:p15="http://schemas.microsoft.com/office/powerpoint/2012/main"/>
+    </p:ext>
+  </p:extLst>
 </p:presentation>
 </file>
 
@@ -258,7 +265,7 @@
           <a:p>
             <a:fld id="{7E9FB431-0DE1-40ED-93F4-970809FB4BDA}" type="datetimeFigureOut">
               <a:rPr lang="pt-BR" smtClean="0"/>
-              <a:t>07/05/2023</a:t>
+              <a:t>09/05/2023</a:t>
             </a:fld>
             <a:endParaRPr lang="pt-BR"/>
           </a:p>
@@ -456,7 +463,7 @@
           <a:p>
             <a:fld id="{7E9FB431-0DE1-40ED-93F4-970809FB4BDA}" type="datetimeFigureOut">
               <a:rPr lang="pt-BR" smtClean="0"/>
-              <a:t>07/05/2023</a:t>
+              <a:t>09/05/2023</a:t>
             </a:fld>
             <a:endParaRPr lang="pt-BR"/>
           </a:p>
@@ -664,7 +671,7 @@
           <a:p>
             <a:fld id="{7E9FB431-0DE1-40ED-93F4-970809FB4BDA}" type="datetimeFigureOut">
               <a:rPr lang="pt-BR" smtClean="0"/>
-              <a:t>07/05/2023</a:t>
+              <a:t>09/05/2023</a:t>
             </a:fld>
             <a:endParaRPr lang="pt-BR"/>
           </a:p>
@@ -862,7 +869,7 @@
           <a:p>
             <a:fld id="{7E9FB431-0DE1-40ED-93F4-970809FB4BDA}" type="datetimeFigureOut">
               <a:rPr lang="pt-BR" smtClean="0"/>
-              <a:t>07/05/2023</a:t>
+              <a:t>09/05/2023</a:t>
             </a:fld>
             <a:endParaRPr lang="pt-BR"/>
           </a:p>
@@ -1137,7 +1144,7 @@
           <a:p>
             <a:fld id="{7E9FB431-0DE1-40ED-93F4-970809FB4BDA}" type="datetimeFigureOut">
               <a:rPr lang="pt-BR" smtClean="0"/>
-              <a:t>07/05/2023</a:t>
+              <a:t>09/05/2023</a:t>
             </a:fld>
             <a:endParaRPr lang="pt-BR"/>
           </a:p>
@@ -1402,7 +1409,7 @@
           <a:p>
             <a:fld id="{7E9FB431-0DE1-40ED-93F4-970809FB4BDA}" type="datetimeFigureOut">
               <a:rPr lang="pt-BR" smtClean="0"/>
-              <a:t>07/05/2023</a:t>
+              <a:t>09/05/2023</a:t>
             </a:fld>
             <a:endParaRPr lang="pt-BR"/>
           </a:p>
@@ -1814,7 +1821,7 @@
           <a:p>
             <a:fld id="{7E9FB431-0DE1-40ED-93F4-970809FB4BDA}" type="datetimeFigureOut">
               <a:rPr lang="pt-BR" smtClean="0"/>
-              <a:t>07/05/2023</a:t>
+              <a:t>09/05/2023</a:t>
             </a:fld>
             <a:endParaRPr lang="pt-BR"/>
           </a:p>
@@ -1955,7 +1962,7 @@
           <a:p>
             <a:fld id="{7E9FB431-0DE1-40ED-93F4-970809FB4BDA}" type="datetimeFigureOut">
               <a:rPr lang="pt-BR" smtClean="0"/>
-              <a:t>07/05/2023</a:t>
+              <a:t>09/05/2023</a:t>
             </a:fld>
             <a:endParaRPr lang="pt-BR"/>
           </a:p>
@@ -2068,7 +2075,7 @@
           <a:p>
             <a:fld id="{7E9FB431-0DE1-40ED-93F4-970809FB4BDA}" type="datetimeFigureOut">
               <a:rPr lang="pt-BR" smtClean="0"/>
-              <a:t>07/05/2023</a:t>
+              <a:t>09/05/2023</a:t>
             </a:fld>
             <a:endParaRPr lang="pt-BR"/>
           </a:p>
@@ -2379,7 +2386,7 @@
           <a:p>
             <a:fld id="{7E9FB431-0DE1-40ED-93F4-970809FB4BDA}" type="datetimeFigureOut">
               <a:rPr lang="pt-BR" smtClean="0"/>
-              <a:t>07/05/2023</a:t>
+              <a:t>09/05/2023</a:t>
             </a:fld>
             <a:endParaRPr lang="pt-BR"/>
           </a:p>
@@ -2667,7 +2674,7 @@
           <a:p>
             <a:fld id="{7E9FB431-0DE1-40ED-93F4-970809FB4BDA}" type="datetimeFigureOut">
               <a:rPr lang="pt-BR" smtClean="0"/>
-              <a:t>07/05/2023</a:t>
+              <a:t>09/05/2023</a:t>
             </a:fld>
             <a:endParaRPr lang="pt-BR"/>
           </a:p>
@@ -2908,7 +2915,7 @@
           <a:p>
             <a:fld id="{7E9FB431-0DE1-40ED-93F4-970809FB4BDA}" type="datetimeFigureOut">
               <a:rPr lang="pt-BR" smtClean="0"/>
-              <a:t>07/05/2023</a:t>
+              <a:t>09/05/2023</a:t>
             </a:fld>
             <a:endParaRPr lang="pt-BR"/>
           </a:p>
@@ -3431,6 +3438,349 @@
           <p:cNvPr id="5" name="Imagem 4">
             <a:extLst>
               <a:ext uri="{FF2B5EF4-FFF2-40B4-BE49-F238E27FC236}">
+                <a16:creationId xmlns:a16="http://schemas.microsoft.com/office/drawing/2014/main" id="{BD8C27AB-6AB1-D218-16D2-F0ADD43B614F}"/>
+              </a:ext>
+            </a:extLst>
+          </p:cNvPr>
+          <p:cNvPicPr>
+            <a:picLocks noChangeAspect="1"/>
+          </p:cNvPicPr>
+          <p:nvPr/>
+        </p:nvPicPr>
+        <p:blipFill>
+          <a:blip r:embed="rId2">
+            <a:extLst>
+              <a:ext uri="{28A0092B-C50C-407E-A947-70E740481C1C}">
+                <a14:useLocalDpi xmlns:a14="http://schemas.microsoft.com/office/drawing/2010/main" val="0"/>
+              </a:ext>
+            </a:extLst>
+          </a:blip>
+          <a:stretch>
+            <a:fillRect/>
+          </a:stretch>
+        </p:blipFill>
+        <p:spPr>
+          <a:xfrm>
+            <a:off x="4677743" y="147917"/>
+            <a:ext cx="2836514" cy="6500344"/>
+          </a:xfrm>
+          <a:prstGeom prst="rect">
+            <a:avLst/>
+          </a:prstGeom>
+          <a:ln>
+            <a:solidFill>
+              <a:schemeClr val="bg1">
+                <a:lumMod val="65000"/>
+              </a:schemeClr>
+            </a:solidFill>
+          </a:ln>
+        </p:spPr>
+      </p:pic>
+      <p:pic>
+        <p:nvPicPr>
+          <p:cNvPr id="7" name="Imagem 6">
+            <a:extLst>
+              <a:ext uri="{FF2B5EF4-FFF2-40B4-BE49-F238E27FC236}">
+                <a16:creationId xmlns:a16="http://schemas.microsoft.com/office/drawing/2014/main" id="{1173C581-3B60-C631-9060-A7827EF0DB7D}"/>
+              </a:ext>
+            </a:extLst>
+          </p:cNvPr>
+          <p:cNvPicPr>
+            <a:picLocks noChangeAspect="1"/>
+          </p:cNvPicPr>
+          <p:nvPr/>
+        </p:nvPicPr>
+        <p:blipFill>
+          <a:blip r:embed="rId3">
+            <a:extLst>
+              <a:ext uri="{28A0092B-C50C-407E-A947-70E740481C1C}">
+                <a14:useLocalDpi xmlns:a14="http://schemas.microsoft.com/office/drawing/2010/main" val="0"/>
+              </a:ext>
+            </a:extLst>
+          </a:blip>
+          <a:stretch>
+            <a:fillRect/>
+          </a:stretch>
+        </p:blipFill>
+        <p:spPr>
+          <a:xfrm>
+            <a:off x="1004047" y="147917"/>
+            <a:ext cx="2836514" cy="6500344"/>
+          </a:xfrm>
+          <a:prstGeom prst="rect">
+            <a:avLst/>
+          </a:prstGeom>
+          <a:ln>
+            <a:solidFill>
+              <a:schemeClr val="bg1">
+                <a:lumMod val="65000"/>
+              </a:schemeClr>
+            </a:solidFill>
+          </a:ln>
+        </p:spPr>
+      </p:pic>
+      <p:pic>
+        <p:nvPicPr>
+          <p:cNvPr id="11" name="Imagem 10">
+            <a:extLst>
+              <a:ext uri="{FF2B5EF4-FFF2-40B4-BE49-F238E27FC236}">
+                <a16:creationId xmlns:a16="http://schemas.microsoft.com/office/drawing/2014/main" id="{2E8D487F-6496-0726-DD3F-0115957F5960}"/>
+              </a:ext>
+            </a:extLst>
+          </p:cNvPr>
+          <p:cNvPicPr>
+            <a:picLocks noChangeAspect="1"/>
+          </p:cNvPicPr>
+          <p:nvPr/>
+        </p:nvPicPr>
+        <p:blipFill>
+          <a:blip r:embed="rId4">
+            <a:extLst>
+              <a:ext uri="{28A0092B-C50C-407E-A947-70E740481C1C}">
+                <a14:useLocalDpi xmlns:a14="http://schemas.microsoft.com/office/drawing/2010/main" val="0"/>
+              </a:ext>
+            </a:extLst>
+          </a:blip>
+          <a:stretch>
+            <a:fillRect/>
+          </a:stretch>
+        </p:blipFill>
+        <p:spPr>
+          <a:xfrm>
+            <a:off x="8351439" y="147917"/>
+            <a:ext cx="2836514" cy="6500344"/>
+          </a:xfrm>
+          <a:prstGeom prst="rect">
+            <a:avLst/>
+          </a:prstGeom>
+          <a:ln>
+            <a:solidFill>
+              <a:schemeClr val="bg1">
+                <a:lumMod val="65000"/>
+              </a:schemeClr>
+            </a:solidFill>
+          </a:ln>
+        </p:spPr>
+      </p:pic>
+    </p:spTree>
+    <p:extLst>
+      <p:ext uri="{BB962C8B-B14F-4D97-AF65-F5344CB8AC3E}">
+        <p14:creationId xmlns:p14="http://schemas.microsoft.com/office/powerpoint/2010/main" val="2074176710"/>
+      </p:ext>
+    </p:extLst>
+  </p:cSld>
+  <p:clrMapOvr>
+    <a:masterClrMapping/>
+  </p:clrMapOvr>
+</p:sld>
+</file>
+
+<file path=ppt/slides/slide3.xml><?xml version="1.0" encoding="utf-8"?>
+<p:sld xmlns:a="http://schemas.openxmlformats.org/drawingml/2006/main" xmlns:r="http://schemas.openxmlformats.org/officeDocument/2006/relationships" xmlns:p="http://schemas.openxmlformats.org/presentationml/2006/main">
+  <p:cSld>
+    <p:spTree>
+      <p:nvGrpSpPr>
+        <p:cNvPr id="1" name=""/>
+        <p:cNvGrpSpPr/>
+        <p:nvPr/>
+      </p:nvGrpSpPr>
+      <p:grpSpPr>
+        <a:xfrm>
+          <a:off x="0" y="0"/>
+          <a:ext cx="0" cy="0"/>
+          <a:chOff x="0" y="0"/>
+          <a:chExt cx="0" cy="0"/>
+        </a:xfrm>
+      </p:grpSpPr>
+      <p:pic>
+        <p:nvPicPr>
+          <p:cNvPr id="1028" name="Picture 4" descr="DASHBOARD POWER BI – GESTÃO COMERCIAL – Loja pacote de planilhas">
+            <a:extLst>
+              <a:ext uri="{FF2B5EF4-FFF2-40B4-BE49-F238E27FC236}">
+                <a16:creationId xmlns:a16="http://schemas.microsoft.com/office/drawing/2014/main" id="{EA6ED8FE-42FB-4701-E856-3DCBC195E67D}"/>
+              </a:ext>
+            </a:extLst>
+          </p:cNvPr>
+          <p:cNvPicPr>
+            <a:picLocks noChangeAspect="1" noChangeArrowheads="1"/>
+          </p:cNvPicPr>
+          <p:nvPr/>
+        </p:nvPicPr>
+        <p:blipFill>
+          <a:blip r:embed="rId2">
+            <a:extLst>
+              <a:ext uri="{28A0092B-C50C-407E-A947-70E740481C1C}">
+                <a14:useLocalDpi xmlns:a14="http://schemas.microsoft.com/office/drawing/2010/main" val="0"/>
+              </a:ext>
+            </a:extLst>
+          </a:blip>
+          <a:srcRect/>
+          <a:stretch>
+            <a:fillRect/>
+          </a:stretch>
+        </p:blipFill>
+        <p:spPr bwMode="auto">
+          <a:xfrm>
+            <a:off x="523662" y="3597812"/>
+            <a:ext cx="5443485" cy="3060000"/>
+          </a:xfrm>
+          <a:prstGeom prst="rect">
+            <a:avLst/>
+          </a:prstGeom>
+          <a:noFill/>
+          <a:extLst>
+            <a:ext uri="{909E8E84-426E-40DD-AFC4-6F175D3DCCD1}">
+              <a14:hiddenFill xmlns:a14="http://schemas.microsoft.com/office/drawing/2010/main">
+                <a:solidFill>
+                  <a:srgbClr val="FFFFFF"/>
+                </a:solidFill>
+              </a14:hiddenFill>
+            </a:ext>
+          </a:extLst>
+        </p:spPr>
+      </p:pic>
+      <p:pic>
+        <p:nvPicPr>
+          <p:cNvPr id="7" name="Imagem 6">
+            <a:extLst>
+              <a:ext uri="{FF2B5EF4-FFF2-40B4-BE49-F238E27FC236}">
+                <a16:creationId xmlns:a16="http://schemas.microsoft.com/office/drawing/2014/main" id="{DB2D345A-122C-2D6E-E3C4-FDE127C37E12}"/>
+              </a:ext>
+            </a:extLst>
+          </p:cNvPr>
+          <p:cNvPicPr>
+            <a:picLocks noChangeAspect="1"/>
+          </p:cNvPicPr>
+          <p:nvPr/>
+        </p:nvPicPr>
+        <p:blipFill>
+          <a:blip r:embed="rId3"/>
+          <a:stretch>
+            <a:fillRect/>
+          </a:stretch>
+        </p:blipFill>
+        <p:spPr>
+          <a:xfrm>
+            <a:off x="6194476" y="256458"/>
+            <a:ext cx="5528934" cy="3060000"/>
+          </a:xfrm>
+          <a:prstGeom prst="rect">
+            <a:avLst/>
+          </a:prstGeom>
+        </p:spPr>
+      </p:pic>
+      <p:pic>
+        <p:nvPicPr>
+          <p:cNvPr id="5" name="Imagem 4">
+            <a:extLst>
+              <a:ext uri="{FF2B5EF4-FFF2-40B4-BE49-F238E27FC236}">
+                <a16:creationId xmlns:a16="http://schemas.microsoft.com/office/drawing/2014/main" id="{C2DA46D0-3EDB-7976-4140-42ECB0725139}"/>
+              </a:ext>
+            </a:extLst>
+          </p:cNvPr>
+          <p:cNvPicPr>
+            <a:picLocks noChangeAspect="1"/>
+          </p:cNvPicPr>
+          <p:nvPr/>
+        </p:nvPicPr>
+        <p:blipFill>
+          <a:blip r:embed="rId4"/>
+          <a:stretch>
+            <a:fillRect/>
+          </a:stretch>
+        </p:blipFill>
+        <p:spPr>
+          <a:xfrm>
+            <a:off x="523662" y="256458"/>
+            <a:ext cx="5473864" cy="3060000"/>
+          </a:xfrm>
+          <a:prstGeom prst="rect">
+            <a:avLst/>
+          </a:prstGeom>
+        </p:spPr>
+      </p:pic>
+      <p:pic>
+        <p:nvPicPr>
+          <p:cNvPr id="8" name="Picture 2" descr="Dashboard - Gestão de Projetos em Power BI | Bipdashboards">
+            <a:extLst>
+              <a:ext uri="{FF2B5EF4-FFF2-40B4-BE49-F238E27FC236}">
+                <a16:creationId xmlns:a16="http://schemas.microsoft.com/office/drawing/2014/main" id="{09B1D15B-C0B1-6DDB-D003-D386E4360A42}"/>
+              </a:ext>
+            </a:extLst>
+          </p:cNvPr>
+          <p:cNvPicPr>
+            <a:picLocks noChangeAspect="1" noChangeArrowheads="1"/>
+          </p:cNvPicPr>
+          <p:nvPr/>
+        </p:nvPicPr>
+        <p:blipFill>
+          <a:blip r:embed="rId5">
+            <a:extLst>
+              <a:ext uri="{28A0092B-C50C-407E-A947-70E740481C1C}">
+                <a14:useLocalDpi xmlns:a14="http://schemas.microsoft.com/office/drawing/2010/main" val="0"/>
+              </a:ext>
+            </a:extLst>
+          </a:blip>
+          <a:srcRect/>
+          <a:stretch>
+            <a:fillRect/>
+          </a:stretch>
+        </p:blipFill>
+        <p:spPr bwMode="auto">
+          <a:xfrm>
+            <a:off x="6194476" y="3597812"/>
+            <a:ext cx="5453574" cy="3060000"/>
+          </a:xfrm>
+          <a:prstGeom prst="rect">
+            <a:avLst/>
+          </a:prstGeom>
+          <a:noFill/>
+          <a:extLst>
+            <a:ext uri="{909E8E84-426E-40DD-AFC4-6F175D3DCCD1}">
+              <a14:hiddenFill xmlns:a14="http://schemas.microsoft.com/office/drawing/2010/main">
+                <a:solidFill>
+                  <a:srgbClr val="FFFFFF"/>
+                </a:solidFill>
+              </a14:hiddenFill>
+            </a:ext>
+          </a:extLst>
+        </p:spPr>
+      </p:pic>
+    </p:spTree>
+    <p:extLst>
+      <p:ext uri="{BB962C8B-B14F-4D97-AF65-F5344CB8AC3E}">
+        <p14:creationId xmlns:p14="http://schemas.microsoft.com/office/powerpoint/2010/main" val="1297854632"/>
+      </p:ext>
+    </p:extLst>
+  </p:cSld>
+  <p:clrMapOvr>
+    <a:masterClrMapping/>
+  </p:clrMapOvr>
+</p:sld>
+</file>
+
+<file path=ppt/slides/slide4.xml><?xml version="1.0" encoding="utf-8"?>
+<p:sld xmlns:a="http://schemas.openxmlformats.org/drawingml/2006/main" xmlns:r="http://schemas.openxmlformats.org/officeDocument/2006/relationships" xmlns:p="http://schemas.openxmlformats.org/presentationml/2006/main">
+  <p:cSld>
+    <p:spTree>
+      <p:nvGrpSpPr>
+        <p:cNvPr id="1" name=""/>
+        <p:cNvGrpSpPr/>
+        <p:nvPr/>
+      </p:nvGrpSpPr>
+      <p:grpSpPr>
+        <a:xfrm>
+          <a:off x="0" y="0"/>
+          <a:ext cx="0" cy="0"/>
+          <a:chOff x="0" y="0"/>
+          <a:chExt cx="0" cy="0"/>
+        </a:xfrm>
+      </p:grpSpPr>
+      <p:pic>
+        <p:nvPicPr>
+          <p:cNvPr id="5" name="Imagem 4">
+            <a:extLst>
+              <a:ext uri="{FF2B5EF4-FFF2-40B4-BE49-F238E27FC236}">
                 <a16:creationId xmlns:a16="http://schemas.microsoft.com/office/drawing/2014/main" id="{41FE0FC5-CE35-F83B-760B-E895E480F6C1}"/>
               </a:ext>
             </a:extLst>
@@ -3547,7 +3897,7 @@
 </p:sld>
 </file>
 
-<file path=ppt/slides/slide3.xml><?xml version="1.0" encoding="utf-8"?>
+<file path=ppt/slides/slide5.xml><?xml version="1.0" encoding="utf-8"?>
 <p:sld xmlns:a="http://schemas.openxmlformats.org/drawingml/2006/main" xmlns:r="http://schemas.openxmlformats.org/officeDocument/2006/relationships" xmlns:p="http://schemas.openxmlformats.org/presentationml/2006/main">
   <p:cSld>
     <p:spTree>
@@ -3667,7 +4017,7 @@
 </p:sld>
 </file>
 
-<file path=ppt/slides/slide4.xml><?xml version="1.0" encoding="utf-8"?>
+<file path=ppt/slides/slide6.xml><?xml version="1.0" encoding="utf-8"?>
 <p:sld xmlns:a="http://schemas.openxmlformats.org/drawingml/2006/main" xmlns:r="http://schemas.openxmlformats.org/officeDocument/2006/relationships" xmlns:p="http://schemas.openxmlformats.org/presentationml/2006/main">
   <p:cSld>
     <p:spTree>
@@ -3787,7 +4137,7 @@
 </p:sld>
 </file>
 
-<file path=ppt/slides/slide5.xml><?xml version="1.0" encoding="utf-8"?>
+<file path=ppt/slides/slide7.xml><?xml version="1.0" encoding="utf-8"?>
 <p:sld xmlns:a="http://schemas.openxmlformats.org/drawingml/2006/main" xmlns:r="http://schemas.openxmlformats.org/officeDocument/2006/relationships" xmlns:p="http://schemas.openxmlformats.org/presentationml/2006/main">
   <p:cSld>
     <p:spTree>
